--- a/Flight Explorer.pptx
+++ b/Flight Explorer.pptx
@@ -3341,10 +3341,10 @@
       </p:grpSpPr>
       <p:sp useBgFill="1">
         <p:nvSpPr>
-          <p:cNvPr id="46" name="Rectangle 23">
-            <a:extLst>
-              <a:ext uri="{FF2B5EF4-FFF2-40B4-BE49-F238E27FC236}">
-                <a16:creationId xmlns:a16="http://schemas.microsoft.com/office/drawing/2014/main" id="{E91DC736-0EF8-4F87-9146-EBF1D2EE4D3D}"/>
+          <p:cNvPr id="54" name="Rectangle 53">
+            <a:extLst>
+              <a:ext uri="{FF2B5EF4-FFF2-40B4-BE49-F238E27FC236}">
+                <a16:creationId xmlns:a16="http://schemas.microsoft.com/office/drawing/2014/main" id="{ECC07320-C2CA-4E29-8481-9D9E143C7788}"/>
               </a:ext>
               <a:ext uri="{C183D7F6-B498-43B3-948B-1728B52AA6E4}">
                 <adec:decorative xmlns:adec="http://schemas.microsoft.com/office/drawing/2017/decorative" val="1"/>
@@ -3364,8 +3364,8 @@
         </p:nvSpPr>
         <p:spPr>
           <a:xfrm>
-            <a:off x="0" y="0"/>
-            <a:ext cx="12192000" cy="6858000"/>
+            <a:off x="-1" y="0"/>
+            <a:ext cx="12188952" cy="6858000"/>
           </a:xfrm>
           <a:prstGeom prst="rect">
             <a:avLst/>
@@ -3395,7 +3395,7 @@
           <a:lstStyle/>
           <a:p>
             <a:pPr algn="ctr"/>
-            <a:endParaRPr lang="en-US"/>
+            <a:endParaRPr lang="en-US" dirty="0"/>
           </a:p>
         </p:txBody>
       </p:sp>
@@ -3415,13 +3415,13 @@
         </p:nvPicPr>
         <p:blipFill rotWithShape="1">
           <a:blip r:embed="rId2"/>
-          <a:srcRect t="7538" r="23010" b="1211"/>
+          <a:srcRect r="5882" b="-1"/>
           <a:stretch/>
         </p:blipFill>
         <p:spPr>
           <a:xfrm>
-            <a:off x="3523488" y="10"/>
-            <a:ext cx="8668512" cy="6857990"/>
+            <a:off x="2522358" y="10"/>
+            <a:ext cx="9669642" cy="6857990"/>
           </a:xfrm>
           <a:prstGeom prst="rect">
             <a:avLst/>
@@ -3431,10 +3431,10 @@
       </p:pic>
       <p:sp>
         <p:nvSpPr>
-          <p:cNvPr id="47" name="Rectangle 25">
-            <a:extLst>
-              <a:ext uri="{FF2B5EF4-FFF2-40B4-BE49-F238E27FC236}">
-                <a16:creationId xmlns:a16="http://schemas.microsoft.com/office/drawing/2014/main" id="{097CD68E-23E3-4007-8847-CD0944C4F7BE}"/>
+          <p:cNvPr id="56" name="Rectangle 55">
+            <a:extLst>
+              <a:ext uri="{FF2B5EF4-FFF2-40B4-BE49-F238E27FC236}">
+                <a16:creationId xmlns:a16="http://schemas.microsoft.com/office/drawing/2014/main" id="{178FB36B-5BFE-42CA-BC60-1115E0D95EEC}"/>
               </a:ext>
               <a:ext uri="{C183D7F6-B498-43B3-948B-1728B52AA6E4}">
                 <adec:decorative xmlns:adec="http://schemas.microsoft.com/office/drawing/2017/decorative" val="1"/>
@@ -3455,19 +3455,19 @@
         <p:spPr>
           <a:xfrm>
             <a:off x="0" y="0"/>
-            <a:ext cx="9756601" cy="6858000"/>
+            <a:ext cx="7066978" cy="6858000"/>
           </a:xfrm>
           <a:prstGeom prst="rect">
             <a:avLst/>
           </a:prstGeom>
           <a:gradFill>
             <a:gsLst>
-              <a:gs pos="58000">
+              <a:gs pos="48000">
                 <a:schemeClr val="bg1"/>
               </a:gs>
               <a:gs pos="35000">
                 <a:schemeClr val="bg1">
-                  <a:alpha val="79000"/>
+                  <a:alpha val="77000"/>
                 </a:schemeClr>
               </a:gs>
               <a:gs pos="19000">
@@ -3533,46 +3533,10 @@
         </p:nvSpPr>
         <p:spPr>
           <a:xfrm>
-            <a:off x="477981" y="1122363"/>
-            <a:ext cx="4023360" cy="3204134"/>
+            <a:off x="458243" y="743447"/>
+            <a:ext cx="3973385" cy="3692028"/>
           </a:xfrm>
-        </p:spPr>
-        <p:txBody>
-          <a:bodyPr anchor="b">
-            <a:normAutofit/>
-          </a:bodyPr>
-          <a:lstStyle/>
-          <a:p>
-            <a:pPr algn="l"/>
-            <a:r>
-              <a:rPr lang="pt-BR" sz="4800"/>
-              <a:t>Flight Explorer</a:t>
-            </a:r>
-            <a:endParaRPr lang="en-US" sz="4800" dirty="0"/>
-          </a:p>
-        </p:txBody>
-      </p:sp>
-      <p:sp>
-        <p:nvSpPr>
-          <p:cNvPr id="3" name="Subtitle 2">
-            <a:extLst>
-              <a:ext uri="{FF2B5EF4-FFF2-40B4-BE49-F238E27FC236}">
-                <a16:creationId xmlns:a16="http://schemas.microsoft.com/office/drawing/2014/main" id="{45B70D66-7C9A-4AB7-0541-3127D6738306}"/>
-              </a:ext>
-            </a:extLst>
-          </p:cNvPr>
-          <p:cNvSpPr>
-            <a:spLocks noGrp="1"/>
-          </p:cNvSpPr>
-          <p:nvPr>
-            <p:ph type="subTitle" idx="1"/>
-          </p:nvPr>
-        </p:nvSpPr>
-        <p:spPr>
-          <a:xfrm>
-            <a:off x="477980" y="4872922"/>
-            <a:ext cx="4023359" cy="1208141"/>
-          </a:xfrm>
+          <a:noFill/>
         </p:spPr>
         <p:txBody>
           <a:bodyPr>
@@ -3582,174 +3546,130 @@
           <a:p>
             <a:pPr algn="l"/>
             <a:r>
-              <a:rPr lang="pt-BR" sz="2000"/>
-              <a:t>Pulling data from the web to send alerts and determine best times to buy flight tickets</a:t>
-            </a:r>
-            <a:endParaRPr lang="en-US" sz="2000" dirty="0"/>
-          </a:p>
-        </p:txBody>
-      </p:sp>
-      <p:sp>
-        <p:nvSpPr>
-          <p:cNvPr id="48" name="Rectangle 27">
-            <a:extLst>
-              <a:ext uri="{FF2B5EF4-FFF2-40B4-BE49-F238E27FC236}">
-                <a16:creationId xmlns:a16="http://schemas.microsoft.com/office/drawing/2014/main" id="{AF2F604E-43BE-4DC3-B983-E071523364F8}"/>
-              </a:ext>
-              <a:ext uri="{C183D7F6-B498-43B3-948B-1728B52AA6E4}">
-                <adec:decorative xmlns:adec="http://schemas.microsoft.com/office/drawing/2017/decorative" val="1"/>
-              </a:ext>
-            </a:extLst>
-          </p:cNvPr>
-          <p:cNvSpPr>
-            <a:spLocks noGrp="1" noRot="1" noChangeAspect="1" noMove="1" noResize="1" noEditPoints="1" noAdjustHandles="1" noChangeArrowheads="1" noChangeShapeType="1" noTextEdit="1"/>
-          </p:cNvSpPr>
-          <p:nvPr>
-            <p:extLst>
-              <p:ext uri="{386F3935-93C4-4BCD-93E2-E3B085C9AB24}">
-                <p16:designElem xmlns:p16="http://schemas.microsoft.com/office/powerpoint/2015/main" val="1"/>
-              </p:ext>
-            </p:extLst>
+              <a:rPr lang="pt-BR" sz="5200" dirty="0"/>
+              <a:t>Flight Explorer</a:t>
+            </a:r>
+            <a:endParaRPr lang="en-US" sz="5200" dirty="0"/>
+          </a:p>
+        </p:txBody>
+      </p:sp>
+      <p:sp>
+        <p:nvSpPr>
+          <p:cNvPr id="3" name="Subtitle 2">
+            <a:extLst>
+              <a:ext uri="{FF2B5EF4-FFF2-40B4-BE49-F238E27FC236}">
+                <a16:creationId xmlns:a16="http://schemas.microsoft.com/office/drawing/2014/main" id="{45B70D66-7C9A-4AB7-0541-3127D6738306}"/>
+              </a:ext>
+            </a:extLst>
+          </p:cNvPr>
+          <p:cNvSpPr>
+            <a:spLocks noGrp="1"/>
+          </p:cNvSpPr>
+          <p:nvPr>
+            <p:ph type="subTitle" idx="1"/>
           </p:nvPr>
         </p:nvSpPr>
         <p:spPr>
-          <a:xfrm rot="5400000">
-            <a:off x="759921" y="346791"/>
-            <a:ext cx="146304" cy="704088"/>
+          <a:xfrm>
+            <a:off x="458242" y="4629234"/>
+            <a:ext cx="3973386" cy="1485319"/>
+          </a:xfrm>
+          <a:noFill/>
+        </p:spPr>
+        <p:txBody>
+          <a:bodyPr>
+            <a:normAutofit/>
+          </a:bodyPr>
+          <a:lstStyle/>
+          <a:p>
+            <a:pPr algn="l"/>
+            <a:r>
+              <a:rPr lang="pt-BR" dirty="0"/>
+              <a:t>A way to fight rising prices and still get the joy of traveling to your favorite holiday destination</a:t>
+            </a:r>
+            <a:endParaRPr lang="en-US" dirty="0"/>
+          </a:p>
+        </p:txBody>
+      </p:sp>
+      <p:pic>
+        <p:nvPicPr>
+          <p:cNvPr id="7" name="Graphic 6" descr="Airplane outline">
+            <a:extLst>
+              <a:ext uri="{FF2B5EF4-FFF2-40B4-BE49-F238E27FC236}">
+                <a16:creationId xmlns:a16="http://schemas.microsoft.com/office/drawing/2014/main" id="{8AA213FA-845A-E8C7-0B17-262E23E98A1A}"/>
+              </a:ext>
+            </a:extLst>
+          </p:cNvPr>
+          <p:cNvPicPr>
+            <a:picLocks noChangeAspect="1"/>
+          </p:cNvPicPr>
+          <p:nvPr/>
+        </p:nvPicPr>
+        <p:blipFill>
+          <a:blip r:embed="rId3">
+            <a:extLst>
+              <a:ext uri="{28A0092B-C50C-407E-A947-70E740481C1C}">
+                <a14:useLocalDpi xmlns:a14="http://schemas.microsoft.com/office/drawing/2010/main" val="0"/>
+              </a:ext>
+              <a:ext uri="{96DAC541-7B7A-43D3-8B79-37D633B846F1}">
+                <asvg:svgBlip xmlns:asvg="http://schemas.microsoft.com/office/drawing/2016/SVG/main" r:embed="rId4"/>
+              </a:ext>
+            </a:extLst>
+          </a:blip>
+          <a:stretch>
+            <a:fillRect/>
+          </a:stretch>
+        </p:blipFill>
+        <p:spPr>
+          <a:xfrm>
+            <a:off x="2855553" y="2906181"/>
+            <a:ext cx="746271" cy="746271"/>
           </a:xfrm>
           <a:prstGeom prst="rect">
             <a:avLst/>
           </a:prstGeom>
-          <a:solidFill>
-            <a:schemeClr val="accent2"/>
-          </a:solidFill>
-          <a:ln>
-            <a:noFill/>
-          </a:ln>
         </p:spPr>
-        <p:style>
-          <a:lnRef idx="2">
-            <a:schemeClr val="accent1">
-              <a:shade val="50000"/>
-            </a:schemeClr>
-          </a:lnRef>
-          <a:fillRef idx="1">
-            <a:schemeClr val="accent1"/>
-          </a:fillRef>
-          <a:effectRef idx="0">
-            <a:schemeClr val="accent1"/>
-          </a:effectRef>
-          <a:fontRef idx="minor">
-            <a:schemeClr val="lt1"/>
-          </a:fontRef>
-        </p:style>
-        <p:txBody>
-          <a:bodyPr rtlCol="0" anchor="ctr"/>
-          <a:lstStyle/>
-          <a:p>
-            <a:pPr algn="ctr"/>
-            <a:endParaRPr lang="en-US">
-              <a:solidFill>
-                <a:prstClr val="white"/>
-              </a:solidFill>
-              <a:latin typeface="Calibri" panose="020F0502020204030204"/>
-            </a:endParaRPr>
-          </a:p>
-        </p:txBody>
-      </p:sp>
-      <p:sp>
-        <p:nvSpPr>
-          <p:cNvPr id="49" name="Rectangle 29">
-            <a:extLst>
-              <a:ext uri="{FF2B5EF4-FFF2-40B4-BE49-F238E27FC236}">
-                <a16:creationId xmlns:a16="http://schemas.microsoft.com/office/drawing/2014/main" id="{08C9B587-E65E-4B52-B37C-ABEBB6E87928}"/>
-              </a:ext>
-              <a:ext uri="{C183D7F6-B498-43B3-948B-1728B52AA6E4}">
-                <adec:decorative xmlns:adec="http://schemas.microsoft.com/office/drawing/2017/decorative" val="1"/>
-              </a:ext>
-            </a:extLst>
-          </p:cNvPr>
-          <p:cNvSpPr>
-            <a:spLocks noGrp="1" noRot="1" noChangeAspect="1" noMove="1" noResize="1" noEditPoints="1" noAdjustHandles="1" noChangeArrowheads="1" noChangeShapeType="1" noTextEdit="1"/>
-          </p:cNvSpPr>
-          <p:nvPr>
-            <p:extLst>
-              <p:ext uri="{386F3935-93C4-4BCD-93E2-E3B085C9AB24}">
-                <p16:designElem xmlns:p16="http://schemas.microsoft.com/office/powerpoint/2015/main" val="1"/>
-              </p:ext>
-            </p:extLst>
-          </p:nvPr>
-        </p:nvSpPr>
+      </p:pic>
+      <p:pic>
+        <p:nvPicPr>
+          <p:cNvPr id="10" name="Graphic 9" descr="Money outline">
+            <a:extLst>
+              <a:ext uri="{FF2B5EF4-FFF2-40B4-BE49-F238E27FC236}">
+                <a16:creationId xmlns:a16="http://schemas.microsoft.com/office/drawing/2014/main" id="{6CEA4266-D5BA-B089-F2AE-FAAF86580515}"/>
+              </a:ext>
+            </a:extLst>
+          </p:cNvPr>
+          <p:cNvPicPr>
+            <a:picLocks noChangeAspect="1"/>
+          </p:cNvPicPr>
+          <p:nvPr/>
+        </p:nvPicPr>
+        <p:blipFill>
+          <a:blip r:embed="rId5">
+            <a:lum bright="-40000" contrast="-40000"/>
+            <a:extLst>
+              <a:ext uri="{28A0092B-C50C-407E-A947-70E740481C1C}">
+                <a14:useLocalDpi xmlns:a14="http://schemas.microsoft.com/office/drawing/2010/main" val="0"/>
+              </a:ext>
+              <a:ext uri="{96DAC541-7B7A-43D3-8B79-37D633B846F1}">
+                <asvg:svgBlip xmlns:asvg="http://schemas.microsoft.com/office/drawing/2016/SVG/main" r:embed="rId6"/>
+              </a:ext>
+            </a:extLst>
+          </a:blip>
+          <a:stretch>
+            <a:fillRect/>
+          </a:stretch>
+        </p:blipFill>
         <p:spPr>
           <a:xfrm>
-            <a:off x="481029" y="4546920"/>
-            <a:ext cx="3977640" cy="18288"/>
+            <a:off x="2923889" y="3700929"/>
+            <a:ext cx="609600" cy="609600"/>
           </a:xfrm>
           <a:prstGeom prst="rect">
             <a:avLst/>
           </a:prstGeom>
-          <a:solidFill>
-            <a:srgbClr val="D5D5D5"/>
-          </a:solidFill>
-          <a:ln w="3175">
-            <a:noFill/>
-          </a:ln>
-          <a:effectLst/>
         </p:spPr>
-        <p:style>
-          <a:lnRef idx="2">
-            <a:schemeClr val="accent1">
-              <a:shade val="50000"/>
-            </a:schemeClr>
-          </a:lnRef>
-          <a:fillRef idx="1">
-            <a:schemeClr val="accent1"/>
-          </a:fillRef>
-          <a:effectRef idx="0">
-            <a:schemeClr val="accent1"/>
-          </a:effectRef>
-          <a:fontRef idx="minor">
-            <a:schemeClr val="lt1"/>
-          </a:fontRef>
-        </p:style>
-        <p:txBody>
-          <a:bodyPr rtlCol="0" anchor="ctr"/>
-          <a:lstStyle/>
-          <a:p>
-            <a:pPr marL="0" marR="0" lvl="0" indent="0" algn="ctr" defTabSz="914400" rtl="0" eaLnBrk="1" fontAlgn="auto" latinLnBrk="0" hangingPunct="1">
-              <a:lnSpc>
-                <a:spcPct val="100000"/>
-              </a:lnSpc>
-              <a:spcBef>
-                <a:spcPts val="0"/>
-              </a:spcBef>
-              <a:spcAft>
-                <a:spcPts val="0"/>
-              </a:spcAft>
-              <a:buClrTx/>
-              <a:buSzTx/>
-              <a:buFontTx/>
-              <a:buNone/>
-              <a:tabLst/>
-              <a:defRPr/>
-            </a:pPr>
-            <a:endParaRPr kumimoji="0" lang="en-US" sz="1800" b="0" i="0" u="none" strike="noStrike" kern="1200" cap="none" spc="0" normalizeH="0" baseline="0" noProof="0">
-              <a:ln>
-                <a:noFill/>
-              </a:ln>
-              <a:solidFill>
-                <a:prstClr val="white"/>
-              </a:solidFill>
-              <a:effectLst/>
-              <a:uLnTx/>
-              <a:uFillTx/>
-              <a:latin typeface="Calibri" panose="020F0502020204030204"/>
-              <a:ea typeface="+mn-ea"/>
-              <a:cs typeface="+mn-cs"/>
-            </a:endParaRPr>
-          </a:p>
-        </p:txBody>
-      </p:sp>
+      </p:pic>
     </p:spTree>
     <p:extLst>
       <p:ext uri="{BB962C8B-B14F-4D97-AF65-F5344CB8AC3E}">
@@ -3844,7 +3764,7 @@
           <a:lstStyle/>
           <a:p>
             <a:pPr algn="ctr"/>
-            <a:endParaRPr lang="en-US"/>
+            <a:endParaRPr lang="en-US" dirty="0"/>
           </a:p>
         </p:txBody>
       </p:sp>
@@ -3930,7 +3850,7 @@
               <a:tabLst/>
               <a:defRPr/>
             </a:pPr>
-            <a:endParaRPr kumimoji="0" lang="en-US" sz="1800" b="0" i="0" u="none" strike="noStrike" kern="1200" cap="none" spc="0" normalizeH="0" baseline="0" noProof="0">
+            <a:endParaRPr kumimoji="0" lang="en-US" sz="1800" b="0" i="0" u="none" strike="noStrike" kern="1200" cap="none" spc="0" normalizeH="0" baseline="0" noProof="0" dirty="0">
               <a:ln>
                 <a:noFill/>
               </a:ln>
@@ -4020,7 +3940,7 @@
               <a:tabLst/>
               <a:defRPr/>
             </a:pPr>
-            <a:endParaRPr kumimoji="0" lang="en-US" sz="1800" b="0" i="0" u="none" strike="noStrike" kern="1200" cap="none" spc="0" normalizeH="0" baseline="0" noProof="0">
+            <a:endParaRPr kumimoji="0" lang="en-US" sz="1800" b="0" i="0" u="none" strike="noStrike" kern="1200" cap="none" spc="0" normalizeH="0" baseline="0" noProof="0" dirty="0">
               <a:ln>
                 <a:noFill/>
               </a:ln>
@@ -4066,10 +3986,10 @@
           <a:lstStyle/>
           <a:p>
             <a:r>
-              <a:rPr lang="pt-BR" sz="4000"/>
+              <a:rPr lang="pt-BR" sz="4000" dirty="0"/>
               <a:t>Executive Summary</a:t>
             </a:r>
-            <a:endParaRPr lang="en-US" sz="4000"/>
+            <a:endParaRPr lang="en-US" sz="4000" dirty="0"/>
           </a:p>
         </p:txBody>
       </p:sp>
@@ -4132,7 +4052,7 @@
           <a:lstStyle/>
           <a:p>
             <a:pPr algn="ctr"/>
-            <a:endParaRPr lang="en-US">
+            <a:endParaRPr lang="en-US" dirty="0">
               <a:solidFill>
                 <a:prstClr val="white"/>
               </a:solidFill>
@@ -4171,11 +4091,30 @@
           <a:p>
             <a:r>
               <a:rPr lang="pt-BR" sz="2000" dirty="0"/>
-              <a:t>Airline fares </a:t>
+              <a:t>Airline fares acquired </a:t>
             </a:r>
             <a:r>
               <a:rPr lang="pt-BR" sz="2000" dirty="0" err="1"/>
-              <a:t>acquired</a:t>
+              <a:t>daily</a:t>
+            </a:r>
+            <a:r>
+              <a:rPr lang="pt-BR" sz="2000" dirty="0"/>
+              <a:t> from </a:t>
+            </a:r>
+            <a:r>
+              <a:rPr lang="pt-BR" sz="2000" dirty="0" err="1"/>
+              <a:t>Kayak</a:t>
+            </a:r>
+            <a:endParaRPr lang="pt-BR" sz="2000" dirty="0"/>
+          </a:p>
+          <a:p>
+            <a:r>
+              <a:rPr lang="pt-BR" sz="2000" dirty="0"/>
+              <a:t>Prices </a:t>
+            </a:r>
+            <a:r>
+              <a:rPr lang="pt-BR" sz="2000" dirty="0" err="1"/>
+              <a:t>compared</a:t>
             </a:r>
             <a:r>
               <a:rPr lang="pt-BR" sz="2000" dirty="0"/>
@@ -4183,7 +4122,15 @@
             </a:r>
             <a:r>
               <a:rPr lang="pt-BR" sz="2000" dirty="0" err="1"/>
-              <a:t>daily</a:t>
+              <a:t>against</a:t>
+            </a:r>
+            <a:r>
+              <a:rPr lang="pt-BR" sz="2000" dirty="0"/>
+              <a:t> baselines* for </a:t>
+            </a:r>
+            <a:r>
+              <a:rPr lang="pt-BR" sz="2000" dirty="0" err="1"/>
+              <a:t>each</a:t>
             </a:r>
             <a:r>
               <a:rPr lang="pt-BR" sz="2000" dirty="0"/>
@@ -4191,7 +4138,14 @@
             </a:r>
             <a:r>
               <a:rPr lang="pt-BR" sz="2000" dirty="0" err="1"/>
-              <a:t>from</a:t>
+              <a:t>route</a:t>
+            </a:r>
+            <a:endParaRPr lang="pt-BR" sz="2000" dirty="0"/>
+          </a:p>
+          <a:p>
+            <a:r>
+              <a:rPr lang="pt-BR" sz="2000" dirty="0" err="1"/>
+              <a:t>Sends</a:t>
             </a:r>
             <a:r>
               <a:rPr lang="pt-BR" sz="2000" dirty="0"/>
@@ -4199,14 +4153,47 @@
             </a:r>
             <a:r>
               <a:rPr lang="pt-BR" sz="2000" dirty="0" err="1"/>
-              <a:t>Kayak</a:t>
-            </a:r>
+              <a:t>alert</a:t>
+            </a:r>
+            <a:r>
+              <a:rPr lang="pt-BR" sz="2000" dirty="0"/>
+              <a:t> of </a:t>
+            </a:r>
+            <a:r>
+              <a:rPr lang="pt-BR" sz="2000" dirty="0" err="1"/>
+              <a:t>low</a:t>
+            </a:r>
+            <a:r>
+              <a:rPr lang="pt-BR" sz="2000" dirty="0"/>
+              <a:t> prices over e-mail</a:t>
+            </a:r>
+          </a:p>
+          <a:p>
             <a:endParaRPr lang="pt-BR" sz="2000" dirty="0"/>
           </a:p>
           <a:p>
+            <a:endParaRPr lang="pt-BR" sz="2000" dirty="0"/>
+          </a:p>
+          <a:p>
+            <a:endParaRPr lang="pt-BR" sz="2000" dirty="0"/>
+          </a:p>
+          <a:p>
+            <a:endParaRPr lang="pt-BR" sz="2000" dirty="0"/>
+          </a:p>
+          <a:p>
+            <a:endParaRPr lang="pt-BR" sz="2000" dirty="0"/>
+          </a:p>
+          <a:p>
+            <a:pPr marL="0" indent="0">
+              <a:buNone/>
+            </a:pPr>
+            <a:r>
+              <a:rPr lang="pt-BR" sz="2000" dirty="0"/>
+              <a:t>*Baselines set </a:t>
+            </a:r>
             <a:r>
               <a:rPr lang="pt-BR" sz="2000" dirty="0" err="1"/>
-              <a:t>Prices</a:t>
+              <a:t>based</a:t>
             </a:r>
             <a:r>
               <a:rPr lang="pt-BR" sz="2000" dirty="0"/>
@@ -4214,7 +4201,7 @@
             </a:r>
             <a:r>
               <a:rPr lang="pt-BR" sz="2000" dirty="0" err="1"/>
-              <a:t>compared</a:t>
+              <a:t>on</a:t>
             </a:r>
             <a:r>
               <a:rPr lang="pt-BR" sz="2000" dirty="0"/>
@@ -4222,15 +4209,7 @@
             </a:r>
             <a:r>
               <a:rPr lang="pt-BR" sz="2000" dirty="0" err="1"/>
-              <a:t>against</a:t>
-            </a:r>
-            <a:r>
-              <a:rPr lang="pt-BR" sz="2000" dirty="0"/>
-              <a:t> baselines* for </a:t>
-            </a:r>
-            <a:r>
-              <a:rPr lang="pt-BR" sz="2000" dirty="0" err="1"/>
-              <a:t>each</a:t>
+              <a:t>earlier</a:t>
             </a:r>
             <a:r>
               <a:rPr lang="pt-BR" sz="2000" dirty="0"/>
@@ -4238,122 +4217,11 @@
             </a:r>
             <a:r>
               <a:rPr lang="pt-BR" sz="2000" dirty="0" err="1"/>
-              <a:t>route</a:t>
-            </a:r>
-            <a:endParaRPr lang="pt-BR" sz="2000" dirty="0"/>
-          </a:p>
-          <a:p>
-            <a:r>
-              <a:rPr lang="pt-BR" sz="2000" dirty="0" err="1"/>
-              <a:t>Sends</a:t>
+              <a:t>results</a:t>
             </a:r>
             <a:r>
               <a:rPr lang="pt-BR" sz="2000" dirty="0"/>
-              <a:t> </a:t>
-            </a:r>
-            <a:r>
-              <a:rPr lang="pt-BR" sz="2000" dirty="0" err="1"/>
-              <a:t>alert</a:t>
-            </a:r>
-            <a:r>
-              <a:rPr lang="pt-BR" sz="2000" dirty="0"/>
-              <a:t> </a:t>
-            </a:r>
-            <a:r>
-              <a:rPr lang="pt-BR" sz="2000" dirty="0" err="1"/>
-              <a:t>of</a:t>
-            </a:r>
-            <a:r>
-              <a:rPr lang="pt-BR" sz="2000" dirty="0"/>
-              <a:t> </a:t>
-            </a:r>
-            <a:r>
-              <a:rPr lang="pt-BR" sz="2000" dirty="0" err="1"/>
-              <a:t>low</a:t>
-            </a:r>
-            <a:r>
-              <a:rPr lang="pt-BR" sz="2000" dirty="0"/>
-              <a:t> </a:t>
-            </a:r>
-            <a:r>
-              <a:rPr lang="pt-BR" sz="2000" dirty="0" err="1"/>
-              <a:t>prices</a:t>
-            </a:r>
-            <a:r>
-              <a:rPr lang="pt-BR" sz="2000" dirty="0"/>
-              <a:t> over e-mail</a:t>
-            </a:r>
-          </a:p>
-          <a:p>
-            <a:endParaRPr lang="pt-BR" sz="2000" dirty="0"/>
-          </a:p>
-          <a:p>
-            <a:endParaRPr lang="pt-BR" sz="2000" dirty="0"/>
-          </a:p>
-          <a:p>
-            <a:endParaRPr lang="pt-BR" sz="2000" dirty="0"/>
-          </a:p>
-          <a:p>
-            <a:endParaRPr lang="pt-BR" sz="2000" dirty="0"/>
-          </a:p>
-          <a:p>
-            <a:endParaRPr lang="pt-BR" sz="2000" dirty="0"/>
-          </a:p>
-          <a:p>
-            <a:pPr marL="0" indent="0">
-              <a:buNone/>
-            </a:pPr>
-            <a:r>
-              <a:rPr lang="pt-BR" sz="2000" dirty="0"/>
-              <a:t>*Baselines set </a:t>
-            </a:r>
-            <a:r>
-              <a:rPr lang="pt-BR" sz="2000" dirty="0" err="1"/>
-              <a:t>based</a:t>
-            </a:r>
-            <a:r>
-              <a:rPr lang="pt-BR" sz="2000" dirty="0"/>
-              <a:t> </a:t>
-            </a:r>
-            <a:r>
-              <a:rPr lang="pt-BR" sz="2000" dirty="0" err="1"/>
-              <a:t>on</a:t>
-            </a:r>
-            <a:r>
-              <a:rPr lang="pt-BR" sz="2000" dirty="0"/>
-              <a:t> </a:t>
-            </a:r>
-            <a:r>
-              <a:rPr lang="pt-BR" sz="2000" dirty="0" err="1"/>
-              <a:t>earlier</a:t>
-            </a:r>
-            <a:r>
-              <a:rPr lang="pt-BR" sz="2000" dirty="0"/>
-              <a:t> </a:t>
-            </a:r>
-            <a:r>
-              <a:rPr lang="pt-BR" sz="2000" dirty="0" err="1"/>
-              <a:t>results</a:t>
-            </a:r>
-            <a:r>
-              <a:rPr lang="pt-BR" sz="2000" dirty="0"/>
-              <a:t> </a:t>
-            </a:r>
-            <a:r>
-              <a:rPr lang="pt-BR" sz="2000" dirty="0" err="1"/>
-              <a:t>of</a:t>
-            </a:r>
-            <a:r>
-              <a:rPr lang="pt-BR" sz="2000" dirty="0"/>
-              <a:t> </a:t>
-            </a:r>
-            <a:r>
-              <a:rPr lang="pt-BR" sz="2000" dirty="0" err="1"/>
-              <a:t>the</a:t>
-            </a:r>
-            <a:r>
-              <a:rPr lang="pt-BR" sz="2000" dirty="0"/>
-              <a:t> data </a:t>
+              <a:t> of the data </a:t>
             </a:r>
             <a:r>
               <a:rPr lang="pt-BR" sz="2000" dirty="0" err="1"/>
@@ -4981,15 +4849,7 @@
             </a:r>
             <a:r>
               <a:rPr lang="pt-BR" sz="2000" dirty="0"/>
-              <a:t>: 2 APIs </a:t>
-            </a:r>
-            <a:r>
-              <a:rPr lang="pt-BR" sz="2000" dirty="0" err="1"/>
-              <a:t>from</a:t>
-            </a:r>
-            <a:r>
-              <a:rPr lang="pt-BR" sz="2000" dirty="0"/>
-              <a:t> Kayak.com</a:t>
+              <a:t>: 2 APIs from Kayak.com</a:t>
             </a:r>
           </a:p>
           <a:p>
@@ -5070,15 +4930,7 @@
             </a:pPr>
             <a:r>
               <a:rPr lang="pt-BR" sz="2000" dirty="0"/>
-              <a:t>Stores baselines </a:t>
-            </a:r>
-            <a:r>
-              <a:rPr lang="pt-BR" sz="2000" dirty="0" err="1"/>
-              <a:t>and</a:t>
-            </a:r>
-            <a:r>
-              <a:rPr lang="pt-BR" sz="2000" dirty="0"/>
-              <a:t> </a:t>
+              <a:t>Stores baselines and </a:t>
             </a:r>
             <a:r>
               <a:rPr lang="pt-BR" sz="2000" dirty="0" err="1"/>
@@ -5086,15 +4938,7 @@
             </a:r>
             <a:r>
               <a:rPr lang="pt-BR" sz="2000" dirty="0"/>
-              <a:t> </a:t>
-            </a:r>
-            <a:r>
-              <a:rPr lang="pt-BR" sz="2000" dirty="0" err="1"/>
-              <a:t>of</a:t>
-            </a:r>
-            <a:r>
-              <a:rPr lang="pt-BR" sz="2000" dirty="0"/>
-              <a:t> </a:t>
+              <a:t> of </a:t>
             </a:r>
             <a:r>
               <a:rPr lang="pt-BR" sz="2000" dirty="0" err="1"/>
@@ -5924,24 +5768,29 @@
           <a:lstStyle/>
           <a:p>
             <a:r>
-              <a:rPr lang="pt-BR" sz="2000"/>
+              <a:rPr lang="pt-BR" sz="2000" dirty="0"/>
               <a:t>Baseline prices</a:t>
             </a:r>
             <a:r>
-              <a:rPr lang="en-US" sz="2000"/>
-              <a:t> for each route/month stored in Google BigQuery</a:t>
-            </a:r>
-          </a:p>
-          <a:p>
-            <a:r>
-              <a:rPr lang="en-US" sz="2000"/>
+              <a:rPr lang="en-US" sz="2000" dirty="0"/>
+              <a:t> for each route/month stored in Google </a:t>
+            </a:r>
+            <a:r>
+              <a:rPr lang="en-US" sz="2000" dirty="0" err="1"/>
+              <a:t>BigQuery</a:t>
+            </a:r>
+            <a:endParaRPr lang="en-US" sz="2000" dirty="0"/>
+          </a:p>
+          <a:p>
+            <a:r>
+              <a:rPr lang="en-US" sz="2000" dirty="0"/>
               <a:t>For each run:</a:t>
             </a:r>
           </a:p>
           <a:p>
             <a:pPr lvl="1"/>
             <a:r>
-              <a:rPr lang="en-US" sz="2000"/>
+              <a:rPr lang="en-US" sz="2000" dirty="0"/>
               <a:t>For each origin (airport):</a:t>
             </a:r>
           </a:p>
@@ -5950,17 +5799,62 @@
               <a:buAutoNum type="arabicPeriod"/>
             </a:pPr>
             <a:r>
-              <a:rPr lang="pt-BR" sz="2000"/>
-              <a:t>Receives new best prices from API call</a:t>
-            </a:r>
+              <a:rPr lang="pt-BR" sz="2000" dirty="0" err="1"/>
+              <a:t>Receives</a:t>
+            </a:r>
+            <a:r>
+              <a:rPr lang="pt-BR" sz="2000" dirty="0"/>
+              <a:t> new best prices from API </a:t>
+            </a:r>
+            <a:r>
+              <a:rPr lang="pt-BR" sz="2000" dirty="0" err="1"/>
+              <a:t>call</a:t>
+            </a:r>
+            <a:endParaRPr lang="pt-BR" sz="2000" dirty="0"/>
           </a:p>
           <a:p>
             <a:pPr marL="971550" lvl="1" indent="-514350">
               <a:buAutoNum type="arabicPeriod"/>
             </a:pPr>
             <a:r>
-              <a:rPr lang="pt-BR" sz="2000"/>
-              <a:t>Checks them against baselines (queried from BigQuery)</a:t>
+              <a:rPr lang="pt-BR" sz="2000" dirty="0" err="1"/>
+              <a:t>Checks</a:t>
+            </a:r>
+            <a:r>
+              <a:rPr lang="pt-BR" sz="2000" dirty="0"/>
+              <a:t> </a:t>
+            </a:r>
+            <a:r>
+              <a:rPr lang="pt-BR" sz="2000" dirty="0" err="1"/>
+              <a:t>them</a:t>
+            </a:r>
+            <a:r>
+              <a:rPr lang="pt-BR" sz="2000" dirty="0"/>
+              <a:t> </a:t>
+            </a:r>
+            <a:r>
+              <a:rPr lang="pt-BR" sz="2000" dirty="0" err="1"/>
+              <a:t>against</a:t>
+            </a:r>
+            <a:r>
+              <a:rPr lang="pt-BR" sz="2000" dirty="0"/>
+              <a:t> baselines (</a:t>
+            </a:r>
+            <a:r>
+              <a:rPr lang="pt-BR" sz="2000" dirty="0" err="1"/>
+              <a:t>queried</a:t>
+            </a:r>
+            <a:r>
+              <a:rPr lang="pt-BR" sz="2000" dirty="0"/>
+              <a:t> from </a:t>
+            </a:r>
+            <a:r>
+              <a:rPr lang="pt-BR" sz="2000" dirty="0" err="1"/>
+              <a:t>BigQuery</a:t>
+            </a:r>
+            <a:r>
+              <a:rPr lang="pt-BR" sz="2000" dirty="0"/>
+              <a:t>)</a:t>
             </a:r>
           </a:p>
           <a:p>
@@ -5968,7 +5862,7 @@
               <a:buAutoNum type="arabicPeriod"/>
             </a:pPr>
             <a:r>
-              <a:rPr lang="pt-BR" sz="2000"/>
+              <a:rPr lang="pt-BR" sz="2000" dirty="0"/>
               <a:t>Stores new baselines</a:t>
             </a:r>
           </a:p>
@@ -5978,13 +5872,29 @@
               <a:buAutoNum type="arabicPeriod"/>
             </a:pPr>
             <a:r>
-              <a:rPr lang="pt-BR" sz="2000"/>
-              <a:t>Reports new low prices with e-mail</a:t>
-            </a:r>
-            <a:endParaRPr lang="en-US" sz="2000"/>
-          </a:p>
-          <a:p>
-            <a:endParaRPr lang="pt-BR" sz="2000"/>
+              <a:rPr lang="pt-BR" sz="2000" dirty="0"/>
+              <a:t>Reports new </a:t>
+            </a:r>
+            <a:r>
+              <a:rPr lang="pt-BR" sz="2000" dirty="0" err="1"/>
+              <a:t>low</a:t>
+            </a:r>
+            <a:r>
+              <a:rPr lang="pt-BR" sz="2000" dirty="0"/>
+              <a:t> prices </a:t>
+            </a:r>
+            <a:r>
+              <a:rPr lang="pt-BR" sz="2000" dirty="0" err="1"/>
+              <a:t>with</a:t>
+            </a:r>
+            <a:r>
+              <a:rPr lang="pt-BR" sz="2000" dirty="0"/>
+              <a:t> e-mail</a:t>
+            </a:r>
+            <a:endParaRPr lang="en-US" sz="2000" dirty="0"/>
+          </a:p>
+          <a:p>
+            <a:endParaRPr lang="pt-BR" sz="2000" dirty="0"/>
           </a:p>
         </p:txBody>
       </p:sp>
@@ -6489,10 +6399,10 @@
           <a:lstStyle/>
           <a:p>
             <a:r>
-              <a:rPr lang="pt-BR" sz="4000"/>
+              <a:rPr lang="pt-BR" sz="4000" dirty="0"/>
               <a:t>E-mail alerts</a:t>
             </a:r>
-            <a:endParaRPr lang="en-US" sz="4000"/>
+            <a:endParaRPr lang="en-US" sz="4000" dirty="0"/>
           </a:p>
         </p:txBody>
       </p:sp>
@@ -6660,15 +6570,7 @@
             </a:r>
             <a:r>
               <a:rPr lang="pt-BR" sz="2000" dirty="0"/>
-              <a:t> </a:t>
-            </a:r>
-            <a:r>
-              <a:rPr lang="pt-BR" sz="2000" dirty="0" err="1"/>
-              <a:t>of</a:t>
-            </a:r>
-            <a:r>
-              <a:rPr lang="pt-BR" sz="2000" dirty="0"/>
-              <a:t> </a:t>
+              <a:t> of </a:t>
             </a:r>
             <a:r>
               <a:rPr lang="pt-BR" sz="2000" dirty="0" err="1"/>
@@ -6676,15 +6578,7 @@
             </a:r>
             <a:r>
               <a:rPr lang="pt-BR" sz="2000" dirty="0"/>
-              <a:t> </a:t>
-            </a:r>
-            <a:r>
-              <a:rPr lang="pt-BR" sz="2000" dirty="0" err="1"/>
-              <a:t>prices</a:t>
-            </a:r>
-            <a:r>
-              <a:rPr lang="pt-BR" sz="2000" dirty="0"/>
-              <a:t> </a:t>
+              <a:t> prices </a:t>
             </a:r>
             <a:r>
               <a:rPr lang="pt-BR" sz="2000" dirty="0" err="1"/>
@@ -6696,15 +6590,7 @@
             <a:pPr lvl="1"/>
             <a:r>
               <a:rPr lang="pt-BR" sz="2000" dirty="0"/>
-              <a:t>Ticket </a:t>
-            </a:r>
-            <a:r>
-              <a:rPr lang="pt-BR" sz="2000" dirty="0" err="1"/>
-              <a:t>prices</a:t>
-            </a:r>
-            <a:r>
-              <a:rPr lang="pt-BR" sz="2000" dirty="0"/>
-              <a:t> </a:t>
+              <a:t>Ticket prices </a:t>
             </a:r>
             <a:r>
               <a:rPr lang="pt-BR" sz="2000" dirty="0" err="1"/>
@@ -6875,11 +6761,37 @@
             </a:r>
             <a:r>
               <a:rPr lang="pt-BR" dirty="0"/>
-              <a:t>, No. </a:t>
+              <a:t>, No. Of </a:t>
             </a:r>
             <a:r>
               <a:rPr lang="pt-BR" dirty="0" err="1"/>
-              <a:t>Of</a:t>
+              <a:t>days</a:t>
+            </a:r>
+            <a:r>
+              <a:rPr lang="pt-BR" dirty="0"/>
+              <a:t>, e-mail adresses to </a:t>
+            </a:r>
+            <a:r>
+              <a:rPr lang="pt-BR" dirty="0" err="1"/>
+              <a:t>report</a:t>
+            </a:r>
+            <a:r>
+              <a:rPr lang="pt-BR" dirty="0"/>
+              <a:t> to, etc.</a:t>
+            </a:r>
+          </a:p>
+          <a:p>
+            <a:r>
+              <a:rPr lang="pt-BR" dirty="0" err="1"/>
+              <a:t>Ad-hoc</a:t>
+            </a:r>
+            <a:r>
+              <a:rPr lang="pt-BR" dirty="0"/>
+              <a:t> data </a:t>
+            </a:r>
+            <a:r>
+              <a:rPr lang="pt-BR" dirty="0" err="1"/>
+              <a:t>analysis</a:t>
             </a:r>
             <a:r>
               <a:rPr lang="pt-BR" dirty="0"/>
@@ -6887,15 +6799,15 @@
             </a:r>
             <a:r>
               <a:rPr lang="pt-BR" dirty="0" err="1"/>
-              <a:t>days</a:t>
+              <a:t>on</a:t>
             </a:r>
             <a:r>
               <a:rPr lang="pt-BR" dirty="0"/>
-              <a:t>, e-mail adresses </a:t>
+              <a:t> best times to buy, times </a:t>
             </a:r>
             <a:r>
               <a:rPr lang="pt-BR" dirty="0" err="1"/>
-              <a:t>to</a:t>
+              <a:t>with</a:t>
             </a:r>
             <a:r>
               <a:rPr lang="pt-BR" dirty="0"/>
@@ -6903,93 +6815,11 @@
             </a:r>
             <a:r>
               <a:rPr lang="pt-BR" dirty="0" err="1"/>
-              <a:t>report</a:t>
+              <a:t>lowest</a:t>
             </a:r>
             <a:r>
               <a:rPr lang="pt-BR" dirty="0"/>
-              <a:t> </a:t>
-            </a:r>
-            <a:r>
-              <a:rPr lang="pt-BR" dirty="0" err="1"/>
-              <a:t>to</a:t>
-            </a:r>
-            <a:r>
-              <a:rPr lang="pt-BR" dirty="0"/>
-              <a:t>, etc.</a:t>
-            </a:r>
-          </a:p>
-          <a:p>
-            <a:r>
-              <a:rPr lang="pt-BR" dirty="0" err="1"/>
-              <a:t>Ad-hoc</a:t>
-            </a:r>
-            <a:r>
-              <a:rPr lang="pt-BR" dirty="0"/>
-              <a:t> data </a:t>
-            </a:r>
-            <a:r>
-              <a:rPr lang="pt-BR" dirty="0" err="1"/>
-              <a:t>analysis</a:t>
-            </a:r>
-            <a:r>
-              <a:rPr lang="pt-BR" dirty="0"/>
-              <a:t> </a:t>
-            </a:r>
-            <a:r>
-              <a:rPr lang="pt-BR" dirty="0" err="1"/>
-              <a:t>on</a:t>
-            </a:r>
-            <a:r>
-              <a:rPr lang="pt-BR" dirty="0"/>
-              <a:t> </a:t>
-            </a:r>
-            <a:r>
-              <a:rPr lang="pt-BR" dirty="0" err="1"/>
-              <a:t>best</a:t>
-            </a:r>
-            <a:r>
-              <a:rPr lang="pt-BR" dirty="0"/>
-              <a:t> times </a:t>
-            </a:r>
-            <a:r>
-              <a:rPr lang="pt-BR" dirty="0" err="1"/>
-              <a:t>to</a:t>
-            </a:r>
-            <a:r>
-              <a:rPr lang="pt-BR" dirty="0"/>
-              <a:t> </a:t>
-            </a:r>
-            <a:r>
-              <a:rPr lang="pt-BR" dirty="0" err="1"/>
-              <a:t>buy</a:t>
-            </a:r>
-            <a:r>
-              <a:rPr lang="pt-BR" dirty="0"/>
-              <a:t>, times </a:t>
-            </a:r>
-            <a:r>
-              <a:rPr lang="pt-BR" dirty="0" err="1"/>
-              <a:t>with</a:t>
-            </a:r>
-            <a:r>
-              <a:rPr lang="pt-BR" dirty="0"/>
-              <a:t> </a:t>
-            </a:r>
-            <a:r>
-              <a:rPr lang="pt-BR" dirty="0" err="1"/>
-              <a:t>lowest</a:t>
-            </a:r>
-            <a:r>
-              <a:rPr lang="pt-BR" dirty="0"/>
-              <a:t> </a:t>
-            </a:r>
-            <a:r>
-              <a:rPr lang="pt-BR" dirty="0" err="1"/>
-              <a:t>prices</a:t>
-            </a:r>
-            <a:r>
-              <a:rPr lang="pt-BR" dirty="0"/>
-              <a:t>, etc.</a:t>
+              <a:t> prices, etc.</a:t>
             </a:r>
             <a:endParaRPr lang="en-US" dirty="0"/>
           </a:p>
@@ -7050,7 +6880,7 @@
 <file path=ppt/theme/theme1.xml><?xml version="1.0" encoding="utf-8"?>
 <a:theme xmlns:a="http://schemas.openxmlformats.org/drawingml/2006/main" name="Office Theme">
   <a:themeElements>
-    <a:clrScheme name="Office">
+    <a:clrScheme name="Yellow">
       <a:dk1>
         <a:sysClr val="windowText" lastClr="000000"/>
       </a:dk1>
@@ -7058,34 +6888,34 @@
         <a:sysClr val="window" lastClr="FFFFFF"/>
       </a:lt1>
       <a:dk2>
-        <a:srgbClr val="44546A"/>
+        <a:srgbClr val="39302A"/>
       </a:dk2>
       <a:lt2>
-        <a:srgbClr val="E7E6E6"/>
+        <a:srgbClr val="E5DEDB"/>
       </a:lt2>
       <a:accent1>
-        <a:srgbClr val="4472C4"/>
+        <a:srgbClr val="FFCA08"/>
       </a:accent1>
       <a:accent2>
-        <a:srgbClr val="ED7D31"/>
+        <a:srgbClr val="F8931D"/>
       </a:accent2>
       <a:accent3>
-        <a:srgbClr val="A5A5A5"/>
+        <a:srgbClr val="CE8D3E"/>
       </a:accent3>
       <a:accent4>
-        <a:srgbClr val="FFC000"/>
+        <a:srgbClr val="EC7016"/>
       </a:accent4>
       <a:accent5>
-        <a:srgbClr val="5B9BD5"/>
+        <a:srgbClr val="E64823"/>
       </a:accent5>
       <a:accent6>
-        <a:srgbClr val="70AD47"/>
+        <a:srgbClr val="9C6A6A"/>
       </a:accent6>
       <a:hlink>
-        <a:srgbClr val="0563C1"/>
+        <a:srgbClr val="2998E3"/>
       </a:hlink>
       <a:folHlink>
-        <a:srgbClr val="954F72"/>
+        <a:srgbClr val="7F723D"/>
       </a:folHlink>
     </a:clrScheme>
     <a:fontScheme name="Office">
